--- a/文书/推荐模型.pptx
+++ b/文书/推荐模型.pptx
@@ -259,7 +259,7 @@
           <a:p>
             <a:fld id="{B4C83FC3-1429-4BE2-AF3A-FD0092C2A7EC}" type="datetimeFigureOut">
               <a:rPr lang="zh-CN" altLang="en-US" smtClean="0"/>
-              <a:t>2026/1/4</a:t>
+              <a:t>2026/1/8</a:t>
             </a:fld>
             <a:endParaRPr lang="zh-CN" altLang="en-US"/>
           </a:p>
@@ -457,7 +457,7 @@
           <a:p>
             <a:fld id="{B4C83FC3-1429-4BE2-AF3A-FD0092C2A7EC}" type="datetimeFigureOut">
               <a:rPr lang="zh-CN" altLang="en-US" smtClean="0"/>
-              <a:t>2026/1/4</a:t>
+              <a:t>2026/1/8</a:t>
             </a:fld>
             <a:endParaRPr lang="zh-CN" altLang="en-US"/>
           </a:p>
@@ -665,7 +665,7 @@
           <a:p>
             <a:fld id="{B4C83FC3-1429-4BE2-AF3A-FD0092C2A7EC}" type="datetimeFigureOut">
               <a:rPr lang="zh-CN" altLang="en-US" smtClean="0"/>
-              <a:t>2026/1/4</a:t>
+              <a:t>2026/1/8</a:t>
             </a:fld>
             <a:endParaRPr lang="zh-CN" altLang="en-US"/>
           </a:p>
@@ -863,7 +863,7 @@
           <a:p>
             <a:fld id="{B4C83FC3-1429-4BE2-AF3A-FD0092C2A7EC}" type="datetimeFigureOut">
               <a:rPr lang="zh-CN" altLang="en-US" smtClean="0"/>
-              <a:t>2026/1/4</a:t>
+              <a:t>2026/1/8</a:t>
             </a:fld>
             <a:endParaRPr lang="zh-CN" altLang="en-US"/>
           </a:p>
@@ -1138,7 +1138,7 @@
           <a:p>
             <a:fld id="{B4C83FC3-1429-4BE2-AF3A-FD0092C2A7EC}" type="datetimeFigureOut">
               <a:rPr lang="zh-CN" altLang="en-US" smtClean="0"/>
-              <a:t>2026/1/4</a:t>
+              <a:t>2026/1/8</a:t>
             </a:fld>
             <a:endParaRPr lang="zh-CN" altLang="en-US"/>
           </a:p>
@@ -1403,7 +1403,7 @@
           <a:p>
             <a:fld id="{B4C83FC3-1429-4BE2-AF3A-FD0092C2A7EC}" type="datetimeFigureOut">
               <a:rPr lang="zh-CN" altLang="en-US" smtClean="0"/>
-              <a:t>2026/1/4</a:t>
+              <a:t>2026/1/8</a:t>
             </a:fld>
             <a:endParaRPr lang="zh-CN" altLang="en-US"/>
           </a:p>
@@ -1815,7 +1815,7 @@
           <a:p>
             <a:fld id="{B4C83FC3-1429-4BE2-AF3A-FD0092C2A7EC}" type="datetimeFigureOut">
               <a:rPr lang="zh-CN" altLang="en-US" smtClean="0"/>
-              <a:t>2026/1/4</a:t>
+              <a:t>2026/1/8</a:t>
             </a:fld>
             <a:endParaRPr lang="zh-CN" altLang="en-US"/>
           </a:p>
@@ -1956,7 +1956,7 @@
           <a:p>
             <a:fld id="{B4C83FC3-1429-4BE2-AF3A-FD0092C2A7EC}" type="datetimeFigureOut">
               <a:rPr lang="zh-CN" altLang="en-US" smtClean="0"/>
-              <a:t>2026/1/4</a:t>
+              <a:t>2026/1/8</a:t>
             </a:fld>
             <a:endParaRPr lang="zh-CN" altLang="en-US"/>
           </a:p>
@@ -2069,7 +2069,7 @@
           <a:p>
             <a:fld id="{B4C83FC3-1429-4BE2-AF3A-FD0092C2A7EC}" type="datetimeFigureOut">
               <a:rPr lang="zh-CN" altLang="en-US" smtClean="0"/>
-              <a:t>2026/1/4</a:t>
+              <a:t>2026/1/8</a:t>
             </a:fld>
             <a:endParaRPr lang="zh-CN" altLang="en-US"/>
           </a:p>
@@ -2380,7 +2380,7 @@
           <a:p>
             <a:fld id="{B4C83FC3-1429-4BE2-AF3A-FD0092C2A7EC}" type="datetimeFigureOut">
               <a:rPr lang="zh-CN" altLang="en-US" smtClean="0"/>
-              <a:t>2026/1/4</a:t>
+              <a:t>2026/1/8</a:t>
             </a:fld>
             <a:endParaRPr lang="zh-CN" altLang="en-US"/>
           </a:p>
@@ -2668,7 +2668,7 @@
           <a:p>
             <a:fld id="{B4C83FC3-1429-4BE2-AF3A-FD0092C2A7EC}" type="datetimeFigureOut">
               <a:rPr lang="zh-CN" altLang="en-US" smtClean="0"/>
-              <a:t>2026/1/4</a:t>
+              <a:t>2026/1/8</a:t>
             </a:fld>
             <a:endParaRPr lang="zh-CN" altLang="en-US"/>
           </a:p>
@@ -2909,7 +2909,7 @@
           <a:p>
             <a:fld id="{B4C83FC3-1429-4BE2-AF3A-FD0092C2A7EC}" type="datetimeFigureOut">
               <a:rPr lang="zh-CN" altLang="en-US" smtClean="0"/>
-              <a:t>2026/1/4</a:t>
+              <a:t>2026/1/8</a:t>
             </a:fld>
             <a:endParaRPr lang="zh-CN" altLang="en-US"/>
           </a:p>
@@ -3340,8 +3340,8 @@
         </p:nvSpPr>
         <p:spPr>
           <a:xfrm>
-            <a:off x="735321" y="2004562"/>
-            <a:ext cx="1835136" cy="3228619"/>
+            <a:off x="2422516" y="2088525"/>
+            <a:ext cx="1731505" cy="2680950"/>
           </a:xfrm>
           <a:prstGeom prst="can">
             <a:avLst/>
@@ -3372,7 +3372,40 @@
                   <a:schemeClr val="bg1"/>
                 </a:solidFill>
               </a:rPr>
-              <a:t>History articles</a:t>
+              <a:t>Recall_UserCF</a:t>
+            </a:r>
+          </a:p>
+          <a:p>
+            <a:pPr algn="ctr"/>
+            <a:r>
+              <a:rPr lang="en-US" altLang="zh-CN" sz="1600" dirty="0">
+                <a:solidFill>
+                  <a:schemeClr val="bg1"/>
+                </a:solidFill>
+              </a:rPr>
+              <a:t>Recall_popularity</a:t>
+            </a:r>
+          </a:p>
+          <a:p>
+            <a:pPr algn="ctr"/>
+            <a:r>
+              <a:rPr lang="en-US" altLang="zh-CN" sz="1600" dirty="0">
+                <a:solidFill>
+                  <a:schemeClr val="bg1"/>
+                </a:solidFill>
+              </a:rPr>
+              <a:t>Recall_content</a:t>
+            </a:r>
+          </a:p>
+          <a:p>
+            <a:pPr algn="ctr"/>
+            <a:r>
+              <a:rPr lang="en-US" altLang="zh-CN" sz="1600" dirty="0">
+                <a:solidFill>
+                  <a:schemeClr val="bg1"/>
+                </a:solidFill>
+              </a:rPr>
+              <a:t>Recall_gcn</a:t>
             </a:r>
             <a:endParaRPr lang="zh-CN" altLang="en-US" sz="1600" dirty="0">
               <a:solidFill>
@@ -3396,8 +3429,8 @@
         </p:nvSpPr>
         <p:spPr>
           <a:xfrm>
-            <a:off x="1324369" y="1651535"/>
-            <a:ext cx="587631" cy="276999"/>
+            <a:off x="2469105" y="1735494"/>
+            <a:ext cx="1872042" cy="276999"/>
           </a:xfrm>
           <a:prstGeom prst="rect">
             <a:avLst/>
@@ -3412,9 +3445,9 @@
           <a:p>
             <a:r>
               <a:rPr lang="en-US" altLang="zh-CN" sz="1200" b="1" dirty="0"/>
-              <a:t>Data</a:t>
-            </a:r>
-            <a:endParaRPr lang="zh-CN" altLang="en-US" b="1" dirty="0"/>
+              <a:t>Multi-channel recall</a:t>
+            </a:r>
+            <a:endParaRPr lang="zh-CN" altLang="en-US" sz="1200" b="1" dirty="0"/>
           </a:p>
         </p:txBody>
       </p:sp>
@@ -3432,7 +3465,7 @@
         </p:nvSpPr>
         <p:spPr>
           <a:xfrm>
-            <a:off x="2653952" y="3414116"/>
+            <a:off x="4341147" y="3498078"/>
             <a:ext cx="613988" cy="211130"/>
           </a:xfrm>
           <a:prstGeom prst="rightArrow">
@@ -3476,7 +3509,7 @@
         </p:nvSpPr>
         <p:spPr>
           <a:xfrm>
-            <a:off x="2570457" y="3048254"/>
+            <a:off x="4257653" y="3194419"/>
             <a:ext cx="807822" cy="261610"/>
           </a:xfrm>
           <a:prstGeom prst="rect">
@@ -3512,7 +3545,7 @@
         </p:nvSpPr>
         <p:spPr>
           <a:xfrm>
-            <a:off x="3285944" y="1651534"/>
+            <a:off x="4971508" y="2369669"/>
             <a:ext cx="2052746" cy="276999"/>
           </a:xfrm>
           <a:prstGeom prst="rect">
@@ -3528,7 +3561,7 @@
           <a:p>
             <a:r>
               <a:rPr lang="en-US" altLang="zh-CN" sz="1200" b="1" dirty="0"/>
-              <a:t>TOP 100~500  Candidates</a:t>
+              <a:t>TOP 100~200  Candidates</a:t>
             </a:r>
             <a:endParaRPr lang="zh-CN" altLang="en-US" sz="1200" b="1" dirty="0"/>
           </a:p>
@@ -3548,8 +3581,8 @@
         </p:nvSpPr>
         <p:spPr>
           <a:xfrm>
-            <a:off x="7992956" y="3048254"/>
-            <a:ext cx="718688" cy="261609"/>
+            <a:off x="9271046" y="3209622"/>
+            <a:ext cx="491408" cy="261610"/>
           </a:xfrm>
           <a:prstGeom prst="rect">
             <a:avLst/>
@@ -3564,7 +3597,7 @@
           <a:p>
             <a:r>
               <a:rPr lang="en-US" altLang="zh-CN" sz="1100" b="1" dirty="0"/>
-              <a:t>Ranking</a:t>
+              <a:t>Sort</a:t>
             </a:r>
             <a:endParaRPr lang="zh-CN" altLang="en-US" sz="1400" b="1" dirty="0"/>
           </a:p>
@@ -3572,111 +3605,19 @@
       </p:sp>
       <p:sp>
         <p:nvSpPr>
-          <p:cNvPr id="22" name="文本框 21">
-            <a:extLst>
-              <a:ext uri="{FF2B5EF4-FFF2-40B4-BE49-F238E27FC236}">
-                <a16:creationId xmlns:a16="http://schemas.microsoft.com/office/drawing/2014/main" id="{2A135061-D722-3096-5260-3232BC2C33CB}"/>
-              </a:ext>
-            </a:extLst>
-          </p:cNvPr>
-          <p:cNvSpPr txBox="1"/>
+          <p:cNvPr id="26" name="矩形 25">
+            <a:extLst>
+              <a:ext uri="{FF2B5EF4-FFF2-40B4-BE49-F238E27FC236}">
+                <a16:creationId xmlns:a16="http://schemas.microsoft.com/office/drawing/2014/main" id="{447AC32C-D4B4-43CE-F8F5-A16536DA2543}"/>
+              </a:ext>
+            </a:extLst>
+          </p:cNvPr>
+          <p:cNvSpPr/>
           <p:nvPr/>
         </p:nvSpPr>
         <p:spPr>
           <a:xfrm>
-            <a:off x="9381702" y="1651534"/>
-            <a:ext cx="1133925" cy="276999"/>
-          </a:xfrm>
-          <a:prstGeom prst="rect">
-            <a:avLst/>
-          </a:prstGeom>
-          <a:noFill/>
-        </p:spPr>
-        <p:txBody>
-          <a:bodyPr wrap="square" rtlCol="0">
-            <a:spAutoFit/>
-          </a:bodyPr>
-          <a:lstStyle/>
-          <a:p>
-            <a:r>
-              <a:rPr lang="en-US" altLang="zh-CN" sz="1200" b="1" dirty="0"/>
-              <a:t>TOP 20 news</a:t>
-            </a:r>
-            <a:endParaRPr lang="zh-CN" altLang="en-US" sz="1200" b="1" dirty="0"/>
-          </a:p>
-        </p:txBody>
-      </p:sp>
-      <p:sp>
-        <p:nvSpPr>
-          <p:cNvPr id="23" name="矩形: 圆角 22">
-            <a:extLst>
-              <a:ext uri="{FF2B5EF4-FFF2-40B4-BE49-F238E27FC236}">
-                <a16:creationId xmlns:a16="http://schemas.microsoft.com/office/drawing/2014/main" id="{4340A349-C581-893E-E7FF-E017173AADE2}"/>
-              </a:ext>
-            </a:extLst>
-          </p:cNvPr>
-          <p:cNvSpPr/>
-          <p:nvPr/>
-        </p:nvSpPr>
-        <p:spPr>
-          <a:xfrm>
-            <a:off x="8981559" y="2789115"/>
-            <a:ext cx="1934212" cy="1508565"/>
-          </a:xfrm>
-          <a:prstGeom prst="roundRect">
-            <a:avLst/>
-          </a:prstGeom>
-        </p:spPr>
-        <p:style>
-          <a:lnRef idx="1">
-            <a:schemeClr val="dk1"/>
-          </a:lnRef>
-          <a:fillRef idx="2">
-            <a:schemeClr val="dk1"/>
-          </a:fillRef>
-          <a:effectRef idx="1">
-            <a:schemeClr val="dk1"/>
-          </a:effectRef>
-          <a:fontRef idx="minor">
-            <a:schemeClr val="dk1"/>
-          </a:fontRef>
-        </p:style>
-        <p:txBody>
-          <a:bodyPr rtlCol="0" anchor="ctr"/>
-          <a:lstStyle/>
-          <a:p>
-            <a:pPr algn="ctr"/>
-            <a:r>
-              <a:rPr lang="en-US" altLang="zh-CN" sz="1400" dirty="0">
-                <a:solidFill>
-                  <a:schemeClr val="bg1"/>
-                </a:solidFill>
-              </a:rPr>
-              <a:t>Lightgbm</a:t>
-            </a:r>
-            <a:endParaRPr lang="zh-CN" altLang="en-US" sz="1400" dirty="0">
-              <a:solidFill>
-                <a:schemeClr val="bg1"/>
-              </a:solidFill>
-            </a:endParaRPr>
-          </a:p>
-        </p:txBody>
-      </p:sp>
-      <p:sp>
-        <p:nvSpPr>
-          <p:cNvPr id="26" name="矩形 25">
-            <a:extLst>
-              <a:ext uri="{FF2B5EF4-FFF2-40B4-BE49-F238E27FC236}">
-                <a16:creationId xmlns:a16="http://schemas.microsoft.com/office/drawing/2014/main" id="{447AC32C-D4B4-43CE-F8F5-A16536DA2543}"/>
-              </a:ext>
-            </a:extLst>
-          </p:cNvPr>
-          <p:cNvSpPr/>
-          <p:nvPr/>
-        </p:nvSpPr>
-        <p:spPr>
-          <a:xfrm>
-            <a:off x="3378280" y="2687241"/>
+            <a:off x="5065475" y="2771203"/>
             <a:ext cx="1796655" cy="291889"/>
           </a:xfrm>
           <a:prstGeom prst="rect">
@@ -3708,7 +3649,7 @@
                   <a:schemeClr val="bg1"/>
                 </a:solidFill>
               </a:rPr>
-              <a:t>Itemcf - TOP N</a:t>
+              <a:t>Usercf - TOP N</a:t>
             </a:r>
             <a:endParaRPr lang="zh-CN" altLang="en-US" sz="1400" dirty="0">
               <a:solidFill>
@@ -3732,7 +3673,7 @@
         </p:nvSpPr>
         <p:spPr>
           <a:xfrm>
-            <a:off x="3371569" y="3630738"/>
+            <a:off x="5058764" y="3714700"/>
             <a:ext cx="1796655" cy="291889"/>
           </a:xfrm>
           <a:prstGeom prst="rect">
@@ -3776,10 +3717,10 @@
       </p:sp>
       <p:sp>
         <p:nvSpPr>
-          <p:cNvPr id="28" name="矩形 27">
-            <a:extLst>
-              <a:ext uri="{FF2B5EF4-FFF2-40B4-BE49-F238E27FC236}">
-                <a16:creationId xmlns:a16="http://schemas.microsoft.com/office/drawing/2014/main" id="{8EC5E15B-15D9-B1C6-454E-EBB67AA1C72F}"/>
+          <p:cNvPr id="33" name="右大括号 32">
+            <a:extLst>
+              <a:ext uri="{FF2B5EF4-FFF2-40B4-BE49-F238E27FC236}">
+                <a16:creationId xmlns:a16="http://schemas.microsoft.com/office/drawing/2014/main" id="{9B27A3D9-16E5-E2A4-12BF-6E67BEBA8CAD}"/>
               </a:ext>
             </a:extLst>
           </p:cNvPr>
@@ -3788,7 +3729,198 @@
         </p:nvSpPr>
         <p:spPr>
           <a:xfrm>
-            <a:off x="3371569" y="4022822"/>
+            <a:off x="6965761" y="2873077"/>
+            <a:ext cx="273120" cy="1508566"/>
+          </a:xfrm>
+          <a:prstGeom prst="rightBrace">
+            <a:avLst/>
+          </a:prstGeom>
+        </p:spPr>
+        <p:style>
+          <a:lnRef idx="2">
+            <a:schemeClr val="dk1"/>
+          </a:lnRef>
+          <a:fillRef idx="0">
+            <a:schemeClr val="dk1"/>
+          </a:fillRef>
+          <a:effectRef idx="1">
+            <a:schemeClr val="dk1"/>
+          </a:effectRef>
+          <a:fontRef idx="minor">
+            <a:schemeClr val="tx1"/>
+          </a:fontRef>
+        </p:style>
+        <p:txBody>
+          <a:bodyPr rtlCol="0" anchor="ctr"/>
+          <a:lstStyle/>
+          <a:p>
+            <a:pPr algn="ctr"/>
+            <a:endParaRPr lang="zh-CN" altLang="en-US" dirty="0"/>
+          </a:p>
+        </p:txBody>
+      </p:sp>
+      <p:sp>
+        <p:nvSpPr>
+          <p:cNvPr id="34" name="文本框 33">
+            <a:extLst>
+              <a:ext uri="{FF2B5EF4-FFF2-40B4-BE49-F238E27FC236}">
+                <a16:creationId xmlns:a16="http://schemas.microsoft.com/office/drawing/2014/main" id="{F7D3BF49-02A0-7FFC-BCF1-29C537F3E193}"/>
+              </a:ext>
+            </a:extLst>
+          </p:cNvPr>
+          <p:cNvSpPr txBox="1"/>
+          <p:nvPr/>
+        </p:nvSpPr>
+        <p:spPr>
+          <a:xfrm>
+            <a:off x="7722235" y="1735494"/>
+            <a:ext cx="1078710" cy="276999"/>
+          </a:xfrm>
+          <a:prstGeom prst="rect">
+            <a:avLst/>
+          </a:prstGeom>
+          <a:noFill/>
+        </p:spPr>
+        <p:txBody>
+          <a:bodyPr wrap="square" rtlCol="0">
+            <a:spAutoFit/>
+          </a:bodyPr>
+          <a:lstStyle/>
+          <a:p>
+            <a:r>
+              <a:rPr lang="en-US" altLang="zh-CN" sz="1200" b="1" dirty="0"/>
+              <a:t>Rank model </a:t>
+            </a:r>
+            <a:endParaRPr lang="zh-CN" altLang="en-US" sz="1200" b="1" dirty="0"/>
+          </a:p>
+        </p:txBody>
+      </p:sp>
+      <p:sp>
+        <p:nvSpPr>
+          <p:cNvPr id="39" name="箭头: 右 38">
+            <a:extLst>
+              <a:ext uri="{FF2B5EF4-FFF2-40B4-BE49-F238E27FC236}">
+                <a16:creationId xmlns:a16="http://schemas.microsoft.com/office/drawing/2014/main" id="{DD886E79-56E5-C732-B702-5D26401DB02C}"/>
+              </a:ext>
+            </a:extLst>
+          </p:cNvPr>
+          <p:cNvSpPr/>
+          <p:nvPr/>
+        </p:nvSpPr>
+        <p:spPr>
+          <a:xfrm>
+            <a:off x="9209756" y="3498079"/>
+            <a:ext cx="613988" cy="211130"/>
+          </a:xfrm>
+          <a:prstGeom prst="rightArrow">
+            <a:avLst/>
+          </a:prstGeom>
+        </p:spPr>
+        <p:style>
+          <a:lnRef idx="2">
+            <a:schemeClr val="dk1"/>
+          </a:lnRef>
+          <a:fillRef idx="1">
+            <a:schemeClr val="lt1"/>
+          </a:fillRef>
+          <a:effectRef idx="0">
+            <a:schemeClr val="dk1"/>
+          </a:effectRef>
+          <a:fontRef idx="minor">
+            <a:schemeClr val="dk1"/>
+          </a:fontRef>
+        </p:style>
+        <p:txBody>
+          <a:bodyPr rtlCol="0" anchor="ctr"/>
+          <a:lstStyle/>
+          <a:p>
+            <a:pPr algn="ctr"/>
+            <a:endParaRPr lang="zh-CN" altLang="en-US" sz="1400" dirty="0"/>
+          </a:p>
+        </p:txBody>
+      </p:sp>
+      <p:sp>
+        <p:nvSpPr>
+          <p:cNvPr id="2" name="矩形 1">
+            <a:extLst>
+              <a:ext uri="{FF2B5EF4-FFF2-40B4-BE49-F238E27FC236}">
+                <a16:creationId xmlns:a16="http://schemas.microsoft.com/office/drawing/2014/main" id="{03130C96-14A6-3118-E775-E99D3A7A7921}"/>
+              </a:ext>
+            </a:extLst>
+          </p:cNvPr>
+          <p:cNvSpPr/>
+          <p:nvPr/>
+        </p:nvSpPr>
+        <p:spPr>
+          <a:xfrm>
+            <a:off x="5058766" y="3171061"/>
+            <a:ext cx="1796653" cy="419104"/>
+          </a:xfrm>
+          <a:prstGeom prst="rect">
+            <a:avLst/>
+          </a:prstGeom>
+        </p:spPr>
+        <p:style>
+          <a:lnRef idx="1">
+            <a:schemeClr val="dk1"/>
+          </a:lnRef>
+          <a:fillRef idx="2">
+            <a:schemeClr val="dk1"/>
+          </a:fillRef>
+          <a:effectRef idx="1">
+            <a:schemeClr val="dk1"/>
+          </a:effectRef>
+          <a:fontRef idx="minor">
+            <a:schemeClr val="dk1"/>
+          </a:fontRef>
+        </p:style>
+        <p:txBody>
+          <a:bodyPr rtlCol="0" anchor="ctr"/>
+          <a:lstStyle/>
+          <a:p>
+            <a:pPr algn="ctr"/>
+            <a:r>
+              <a:rPr lang="en-US" altLang="zh-CN" sz="1400" dirty="0">
+                <a:solidFill>
+                  <a:schemeClr val="bg1"/>
+                </a:solidFill>
+              </a:rPr>
+              <a:t>Content-Based</a:t>
+            </a:r>
+          </a:p>
+          <a:p>
+            <a:pPr algn="ctr"/>
+            <a:r>
+              <a:rPr lang="en-US" altLang="zh-CN" sz="1400" dirty="0">
+                <a:solidFill>
+                  <a:schemeClr val="bg1"/>
+                </a:solidFill>
+              </a:rPr>
+              <a:t> - TOP N</a:t>
+            </a:r>
+            <a:endParaRPr lang="zh-CN" altLang="en-US" sz="1400" dirty="0">
+              <a:solidFill>
+                <a:schemeClr val="bg1"/>
+              </a:solidFill>
+            </a:endParaRPr>
+          </a:p>
+        </p:txBody>
+      </p:sp>
+      <p:sp>
+        <p:nvSpPr>
+          <p:cNvPr id="3" name="矩形 2">
+            <a:extLst>
+              <a:ext uri="{FF2B5EF4-FFF2-40B4-BE49-F238E27FC236}">
+                <a16:creationId xmlns:a16="http://schemas.microsoft.com/office/drawing/2014/main" id="{F7836767-6FC6-4F8B-06F2-1266D3608D96}"/>
+              </a:ext>
+            </a:extLst>
+          </p:cNvPr>
+          <p:cNvSpPr/>
+          <p:nvPr/>
+        </p:nvSpPr>
+        <p:spPr>
+          <a:xfrm>
+            <a:off x="5057837" y="4145629"/>
             <a:ext cx="1796655" cy="291889"/>
           </a:xfrm>
           <a:prstGeom prst="rect">
@@ -3820,7 +3952,7 @@
                   <a:schemeClr val="bg1"/>
                 </a:solidFill>
               </a:rPr>
-              <a:t>Bert - TOP N</a:t>
+              <a:t>LightGCN - TOP N</a:t>
             </a:r>
             <a:endParaRPr lang="zh-CN" altLang="en-US" sz="1400" dirty="0">
               <a:solidFill>
@@ -3832,10 +3964,10 @@
       </p:sp>
       <p:sp>
         <p:nvSpPr>
-          <p:cNvPr id="33" name="右大括号 32">
-            <a:extLst>
-              <a:ext uri="{FF2B5EF4-FFF2-40B4-BE49-F238E27FC236}">
-                <a16:creationId xmlns:a16="http://schemas.microsoft.com/office/drawing/2014/main" id="{9B27A3D9-16E5-E2A4-12BF-6E67BEBA8CAD}"/>
+          <p:cNvPr id="7" name="圆柱体 6">
+            <a:extLst>
+              <a:ext uri="{FF2B5EF4-FFF2-40B4-BE49-F238E27FC236}">
+                <a16:creationId xmlns:a16="http://schemas.microsoft.com/office/drawing/2014/main" id="{094F960E-871A-BBFB-5E96-EF3FE1DC1921}"/>
               </a:ext>
             </a:extLst>
           </p:cNvPr>
@@ -3844,90 +3976,10 @@
         </p:nvSpPr>
         <p:spPr>
           <a:xfrm>
-            <a:off x="5278566" y="2789114"/>
-            <a:ext cx="273120" cy="1848199"/>
+            <a:off x="7395838" y="2153570"/>
+            <a:ext cx="1731505" cy="2680950"/>
           </a:xfrm>
-          <a:prstGeom prst="rightBrace">
-            <a:avLst/>
-          </a:prstGeom>
-        </p:spPr>
-        <p:style>
-          <a:lnRef idx="2">
-            <a:schemeClr val="dk1"/>
-          </a:lnRef>
-          <a:fillRef idx="0">
-            <a:schemeClr val="dk1"/>
-          </a:fillRef>
-          <a:effectRef idx="1">
-            <a:schemeClr val="dk1"/>
-          </a:effectRef>
-          <a:fontRef idx="minor">
-            <a:schemeClr val="tx1"/>
-          </a:fontRef>
-        </p:style>
-        <p:txBody>
-          <a:bodyPr rtlCol="0" anchor="ctr"/>
-          <a:lstStyle/>
-          <a:p>
-            <a:pPr algn="ctr"/>
-            <a:endParaRPr lang="zh-CN" altLang="en-US" dirty="0"/>
-          </a:p>
-        </p:txBody>
-      </p:sp>
-      <p:sp>
-        <p:nvSpPr>
-          <p:cNvPr id="34" name="文本框 33">
-            <a:extLst>
-              <a:ext uri="{FF2B5EF4-FFF2-40B4-BE49-F238E27FC236}">
-                <a16:creationId xmlns:a16="http://schemas.microsoft.com/office/drawing/2014/main" id="{F7D3BF49-02A0-7FFC-BCF1-29C537F3E193}"/>
-              </a:ext>
-            </a:extLst>
-          </p:cNvPr>
-          <p:cNvSpPr txBox="1"/>
-          <p:nvPr/>
-        </p:nvSpPr>
-        <p:spPr>
-          <a:xfrm>
-            <a:off x="5596497" y="1651534"/>
-            <a:ext cx="2906186" cy="276999"/>
-          </a:xfrm>
-          <a:prstGeom prst="rect">
-            <a:avLst/>
-          </a:prstGeom>
-          <a:noFill/>
-        </p:spPr>
-        <p:txBody>
-          <a:bodyPr wrap="square" rtlCol="0">
-            <a:spAutoFit/>
-          </a:bodyPr>
-          <a:lstStyle/>
-          <a:p>
-            <a:r>
-              <a:rPr lang="en-US" altLang="zh-CN" sz="1200" b="1" dirty="0"/>
-              <a:t>Concentrate &amp; Feature engineering</a:t>
-            </a:r>
-            <a:endParaRPr lang="zh-CN" altLang="en-US" sz="1200" b="1" dirty="0"/>
-          </a:p>
-        </p:txBody>
-      </p:sp>
-      <p:sp>
-        <p:nvSpPr>
-          <p:cNvPr id="35" name="矩形: 圆角 34">
-            <a:extLst>
-              <a:ext uri="{FF2B5EF4-FFF2-40B4-BE49-F238E27FC236}">
-                <a16:creationId xmlns:a16="http://schemas.microsoft.com/office/drawing/2014/main" id="{6E29A6D6-26DD-8EEB-71C5-FD1063BCD297}"/>
-              </a:ext>
-            </a:extLst>
-          </p:cNvPr>
-          <p:cNvSpPr/>
-          <p:nvPr/>
-        </p:nvSpPr>
-        <p:spPr>
-          <a:xfrm>
-            <a:off x="5661599" y="2340340"/>
-            <a:ext cx="2331357" cy="2520048"/>
-          </a:xfrm>
-          <a:prstGeom prst="roundRect">
+          <a:prstGeom prst="can">
             <a:avLst/>
           </a:prstGeom>
         </p:spPr>
@@ -3956,62 +4008,7 @@
                   <a:schemeClr val="bg1"/>
                 </a:solidFill>
               </a:rPr>
-              <a:t>    Articles attribute	</a:t>
-            </a:r>
-          </a:p>
-          <a:p>
-            <a:pPr algn="ctr"/>
-            <a:r>
-              <a:rPr lang="en-US" altLang="zh-CN" sz="1600" dirty="0">
-                <a:solidFill>
-                  <a:schemeClr val="bg1"/>
-                </a:solidFill>
-              </a:rPr>
-              <a:t>User active attributes</a:t>
-            </a:r>
-          </a:p>
-          <a:p>
-            <a:pPr algn="ctr"/>
-            <a:r>
-              <a:rPr lang="en-US" altLang="zh-CN" sz="1600" dirty="0">
-                <a:solidFill>
-                  <a:schemeClr val="bg1"/>
-                </a:solidFill>
-              </a:rPr>
-              <a:t>Itemcf score</a:t>
-            </a:r>
-          </a:p>
-          <a:p>
-            <a:pPr algn="ctr"/>
-            <a:r>
-              <a:rPr lang="en-US" altLang="zh-CN" sz="1600" dirty="0">
-                <a:solidFill>
-                  <a:schemeClr val="bg1"/>
-                </a:solidFill>
-              </a:rPr>
-              <a:t>Word2vec score</a:t>
-            </a:r>
-          </a:p>
-          <a:p>
-            <a:pPr algn="ctr"/>
-            <a:r>
-              <a:rPr lang="en-US" altLang="zh-CN" sz="1600" dirty="0">
-                <a:solidFill>
-                  <a:schemeClr val="bg1"/>
-                </a:solidFill>
-              </a:rPr>
-              <a:t>Recall source</a:t>
-            </a:r>
-          </a:p>
-          <a:p>
-            <a:pPr algn="ctr"/>
-            <a:r>
-              <a:rPr lang="en-US" altLang="zh-CN" sz="1600" dirty="0">
-                <a:solidFill>
-                  <a:schemeClr val="bg1"/>
-                </a:solidFill>
-              </a:rPr>
-              <a:t>…</a:t>
+              <a:t>NRMS</a:t>
             </a:r>
             <a:endParaRPr lang="zh-CN" altLang="en-US" sz="1600" dirty="0">
               <a:solidFill>
@@ -4023,10 +4020,10 @@
       </p:sp>
       <p:sp>
         <p:nvSpPr>
-          <p:cNvPr id="39" name="箭头: 右 38">
-            <a:extLst>
-              <a:ext uri="{FF2B5EF4-FFF2-40B4-BE49-F238E27FC236}">
-                <a16:creationId xmlns:a16="http://schemas.microsoft.com/office/drawing/2014/main" id="{DD886E79-56E5-C732-B702-5D26401DB02C}"/>
+          <p:cNvPr id="8" name="矩形 7">
+            <a:extLst>
+              <a:ext uri="{FF2B5EF4-FFF2-40B4-BE49-F238E27FC236}">
+                <a16:creationId xmlns:a16="http://schemas.microsoft.com/office/drawing/2014/main" id="{6E6A649B-B21B-D808-1E59-94DB0FB5DBD0}"/>
               </a:ext>
             </a:extLst>
           </p:cNvPr>
@@ -4035,7 +4032,167 @@
         </p:nvSpPr>
         <p:spPr>
           <a:xfrm>
-            <a:off x="8045306" y="3414116"/>
+            <a:off x="9927280" y="3393827"/>
+            <a:ext cx="1853411" cy="462071"/>
+          </a:xfrm>
+          <a:prstGeom prst="rect">
+            <a:avLst/>
+          </a:prstGeom>
+        </p:spPr>
+        <p:style>
+          <a:lnRef idx="1">
+            <a:schemeClr val="dk1"/>
+          </a:lnRef>
+          <a:fillRef idx="2">
+            <a:schemeClr val="dk1"/>
+          </a:fillRef>
+          <a:effectRef idx="1">
+            <a:schemeClr val="dk1"/>
+          </a:effectRef>
+          <a:fontRef idx="minor">
+            <a:schemeClr val="dk1"/>
+          </a:fontRef>
+        </p:style>
+        <p:txBody>
+          <a:bodyPr rtlCol="0" anchor="ctr"/>
+          <a:lstStyle/>
+          <a:p>
+            <a:pPr algn="ctr"/>
+            <a:r>
+              <a:rPr lang="en-US" altLang="zh-CN" sz="1400" dirty="0">
+                <a:solidFill>
+                  <a:schemeClr val="bg1"/>
+                </a:solidFill>
+              </a:rPr>
+              <a:t>Final</a:t>
+            </a:r>
+            <a:r>
+              <a:rPr lang="en-US" altLang="zh-CN" sz="1400" b="1" dirty="0"/>
+              <a:t> </a:t>
+            </a:r>
+            <a:r>
+              <a:rPr lang="en-US" altLang="zh-CN" sz="1400" dirty="0">
+                <a:solidFill>
+                  <a:schemeClr val="bg1"/>
+                </a:solidFill>
+              </a:rPr>
+              <a:t>displayed news</a:t>
+            </a:r>
+            <a:endParaRPr lang="zh-CN" altLang="en-US" sz="1400" dirty="0">
+              <a:solidFill>
+                <a:schemeClr val="bg1"/>
+              </a:solidFill>
+            </a:endParaRPr>
+          </a:p>
+        </p:txBody>
+      </p:sp>
+      <p:sp>
+        <p:nvSpPr>
+          <p:cNvPr id="9" name="文本框 8">
+            <a:extLst>
+              <a:ext uri="{FF2B5EF4-FFF2-40B4-BE49-F238E27FC236}">
+                <a16:creationId xmlns:a16="http://schemas.microsoft.com/office/drawing/2014/main" id="{09B48744-932D-D313-99AE-C5EA6BFD68D4}"/>
+              </a:ext>
+            </a:extLst>
+          </p:cNvPr>
+          <p:cNvSpPr txBox="1"/>
+          <p:nvPr/>
+        </p:nvSpPr>
+        <p:spPr>
+          <a:xfrm>
+            <a:off x="10192603" y="3071122"/>
+            <a:ext cx="1411049" cy="276999"/>
+          </a:xfrm>
+          <a:prstGeom prst="rect">
+            <a:avLst/>
+          </a:prstGeom>
+          <a:noFill/>
+        </p:spPr>
+        <p:txBody>
+          <a:bodyPr wrap="square" rtlCol="0">
+            <a:spAutoFit/>
+          </a:bodyPr>
+          <a:lstStyle/>
+          <a:p>
+            <a:r>
+              <a:rPr lang="en-US" altLang="zh-CN" sz="1200" b="1" dirty="0"/>
+              <a:t>TOP 10~25 news</a:t>
+            </a:r>
+            <a:endParaRPr lang="zh-CN" altLang="en-US" sz="1200" b="1" dirty="0"/>
+          </a:p>
+        </p:txBody>
+      </p:sp>
+      <p:sp>
+        <p:nvSpPr>
+          <p:cNvPr id="10" name="矩形 9">
+            <a:extLst>
+              <a:ext uri="{FF2B5EF4-FFF2-40B4-BE49-F238E27FC236}">
+                <a16:creationId xmlns:a16="http://schemas.microsoft.com/office/drawing/2014/main" id="{B19B9AA9-735B-59BE-721D-ECBA5F0750F7}"/>
+              </a:ext>
+            </a:extLst>
+          </p:cNvPr>
+          <p:cNvSpPr/>
+          <p:nvPr/>
+        </p:nvSpPr>
+        <p:spPr>
+          <a:xfrm>
+            <a:off x="460352" y="3321150"/>
+            <a:ext cx="1211659" cy="483290"/>
+          </a:xfrm>
+          <a:prstGeom prst="rect">
+            <a:avLst/>
+          </a:prstGeom>
+        </p:spPr>
+        <p:style>
+          <a:lnRef idx="1">
+            <a:schemeClr val="dk1"/>
+          </a:lnRef>
+          <a:fillRef idx="2">
+            <a:schemeClr val="dk1"/>
+          </a:fillRef>
+          <a:effectRef idx="1">
+            <a:schemeClr val="dk1"/>
+          </a:effectRef>
+          <a:fontRef idx="minor">
+            <a:schemeClr val="dk1"/>
+          </a:fontRef>
+        </p:style>
+        <p:txBody>
+          <a:bodyPr rtlCol="0" anchor="ctr"/>
+          <a:lstStyle/>
+          <a:p>
+            <a:pPr algn="ctr"/>
+            <a:r>
+              <a:rPr lang="en-US" altLang="zh-CN" sz="1400" dirty="0">
+                <a:solidFill>
+                  <a:schemeClr val="bg1"/>
+                </a:solidFill>
+              </a:rPr>
+              <a:t>History</a:t>
+            </a:r>
+            <a:endParaRPr lang="zh-CN" altLang="en-US" sz="1400" dirty="0">
+              <a:solidFill>
+                <a:schemeClr val="bg1"/>
+              </a:solidFill>
+            </a:endParaRPr>
+          </a:p>
+        </p:txBody>
+      </p:sp>
+      <p:sp>
+        <p:nvSpPr>
+          <p:cNvPr id="11" name="箭头: 右 10">
+            <a:extLst>
+              <a:ext uri="{FF2B5EF4-FFF2-40B4-BE49-F238E27FC236}">
+                <a16:creationId xmlns:a16="http://schemas.microsoft.com/office/drawing/2014/main" id="{EAAED073-7611-1561-DCCF-FE094BA9D2E7}"/>
+              </a:ext>
+            </a:extLst>
+          </p:cNvPr>
+          <p:cNvSpPr/>
+          <p:nvPr/>
+        </p:nvSpPr>
+        <p:spPr>
+          <a:xfrm>
+            <a:off x="1764986" y="3471231"/>
             <a:ext cx="613988" cy="211130"/>
           </a:xfrm>
           <a:prstGeom prst="rightArrow">
@@ -4067,124 +4224,37 @@
       </p:sp>
       <p:sp>
         <p:nvSpPr>
-          <p:cNvPr id="2" name="矩形 1">
-            <a:extLst>
-              <a:ext uri="{FF2B5EF4-FFF2-40B4-BE49-F238E27FC236}">
-                <a16:creationId xmlns:a16="http://schemas.microsoft.com/office/drawing/2014/main" id="{03130C96-14A6-3118-E775-E99D3A7A7921}"/>
-              </a:ext>
-            </a:extLst>
-          </p:cNvPr>
-          <p:cNvSpPr/>
+          <p:cNvPr id="15" name="文本框 14">
+            <a:extLst>
+              <a:ext uri="{FF2B5EF4-FFF2-40B4-BE49-F238E27FC236}">
+                <a16:creationId xmlns:a16="http://schemas.microsoft.com/office/drawing/2014/main" id="{649162B0-88A2-4495-B0D5-81AB4CA7D71F}"/>
+              </a:ext>
+            </a:extLst>
+          </p:cNvPr>
+          <p:cNvSpPr txBox="1"/>
           <p:nvPr/>
         </p:nvSpPr>
         <p:spPr>
           <a:xfrm>
-            <a:off x="3371571" y="3087099"/>
-            <a:ext cx="1796653" cy="419104"/>
+            <a:off x="1795596" y="3209620"/>
+            <a:ext cx="570318" cy="261610"/>
           </a:xfrm>
           <a:prstGeom prst="rect">
             <a:avLst/>
           </a:prstGeom>
+          <a:noFill/>
         </p:spPr>
-        <p:style>
-          <a:lnRef idx="1">
-            <a:schemeClr val="dk1"/>
-          </a:lnRef>
-          <a:fillRef idx="2">
-            <a:schemeClr val="dk1"/>
-          </a:fillRef>
-          <a:effectRef idx="1">
-            <a:schemeClr val="dk1"/>
-          </a:effectRef>
-          <a:fontRef idx="minor">
-            <a:schemeClr val="dk1"/>
-          </a:fontRef>
-        </p:style>
-        <p:txBody>
-          <a:bodyPr rtlCol="0" anchor="ctr"/>
-          <a:lstStyle/>
-          <a:p>
-            <a:pPr algn="ctr"/>
-            <a:r>
-              <a:rPr lang="en-US" altLang="zh-CN" sz="1400" dirty="0">
-                <a:solidFill>
-                  <a:schemeClr val="bg1"/>
-                </a:solidFill>
-              </a:rPr>
-              <a:t>Content-Based</a:t>
-            </a:r>
-          </a:p>
-          <a:p>
-            <a:pPr algn="ctr"/>
-            <a:r>
-              <a:rPr lang="en-US" altLang="zh-CN" sz="1400" dirty="0">
-                <a:solidFill>
-                  <a:schemeClr val="bg1"/>
-                </a:solidFill>
-              </a:rPr>
-              <a:t> - TOP N</a:t>
-            </a:r>
-            <a:endParaRPr lang="zh-CN" altLang="en-US" sz="1400" dirty="0">
-              <a:solidFill>
-                <a:schemeClr val="bg1"/>
-              </a:solidFill>
-            </a:endParaRPr>
-          </a:p>
-        </p:txBody>
-      </p:sp>
-      <p:sp>
-        <p:nvSpPr>
-          <p:cNvPr id="3" name="矩形 2">
-            <a:extLst>
-              <a:ext uri="{FF2B5EF4-FFF2-40B4-BE49-F238E27FC236}">
-                <a16:creationId xmlns:a16="http://schemas.microsoft.com/office/drawing/2014/main" id="{F7836767-6FC6-4F8B-06F2-1266D3608D96}"/>
-              </a:ext>
-            </a:extLst>
-          </p:cNvPr>
-          <p:cNvSpPr/>
-          <p:nvPr/>
-        </p:nvSpPr>
-        <p:spPr>
-          <a:xfrm>
-            <a:off x="3371569" y="4449700"/>
-            <a:ext cx="1796655" cy="291889"/>
-          </a:xfrm>
-          <a:prstGeom prst="rect">
-            <a:avLst/>
-          </a:prstGeom>
-        </p:spPr>
-        <p:style>
-          <a:lnRef idx="1">
-            <a:schemeClr val="dk1"/>
-          </a:lnRef>
-          <a:fillRef idx="2">
-            <a:schemeClr val="dk1"/>
-          </a:fillRef>
-          <a:effectRef idx="1">
-            <a:schemeClr val="dk1"/>
-          </a:effectRef>
-          <a:fontRef idx="minor">
-            <a:schemeClr val="dk1"/>
-          </a:fontRef>
-        </p:style>
-        <p:txBody>
-          <a:bodyPr rtlCol="0" anchor="ctr"/>
-          <a:lstStyle/>
-          <a:p>
-            <a:pPr algn="ctr"/>
-            <a:r>
-              <a:rPr lang="en-US" altLang="zh-CN" sz="1400" dirty="0">
-                <a:solidFill>
-                  <a:schemeClr val="bg1"/>
-                </a:solidFill>
-              </a:rPr>
-              <a:t>LightGCN - TOP N</a:t>
-            </a:r>
-            <a:endParaRPr lang="zh-CN" altLang="en-US" sz="1400" dirty="0">
-              <a:solidFill>
-                <a:schemeClr val="bg1"/>
-              </a:solidFill>
-            </a:endParaRPr>
+        <p:txBody>
+          <a:bodyPr wrap="square" rtlCol="0">
+            <a:spAutoFit/>
+          </a:bodyPr>
+          <a:lstStyle/>
+          <a:p>
+            <a:r>
+              <a:rPr lang="en-US" altLang="zh-CN" sz="1100" b="1" dirty="0"/>
+              <a:t>Input</a:t>
+            </a:r>
+            <a:endParaRPr lang="zh-CN" altLang="en-US" sz="1400" b="1" dirty="0"/>
           </a:p>
         </p:txBody>
       </p:sp>
